--- a/Sprint2/Presentation/Second Sprint Presentation.ppt.pptx
+++ b/Sprint2/Presentation/Second Sprint Presentation.ppt.pptx
@@ -16167,7 +16167,19 @@
               <a:rPr lang="en-US" dirty="0">
                 <a:hlinkClick r:id="rId3"/>
               </a:rPr>
-              <a:t>https://github.com/wudi-bu/NASA-Africa4</a:t>
+              <a:t>https://</a:t>
+            </a:r>
+            <a:r>
+              <a:rPr lang="en-US" dirty="0" smtClean="0">
+                <a:hlinkClick r:id="rId3"/>
+              </a:rPr>
+              <a:t>github.com/wudi-bu</a:t>
+            </a:r>
+            <a:r>
+              <a:rPr lang="en-US" smtClean="0">
+                <a:hlinkClick r:id="rId3"/>
+              </a:rPr>
+              <a:t>/NASA-Africa</a:t>
             </a:r>
             <a:endParaRPr lang="en-US" dirty="0"/>
           </a:p>
